--- a/DOC/BalanceCar.pptx
+++ b/DOC/BalanceCar.pptx
@@ -152,7 +152,7 @@
   </p:defaultTextStyle>
   <p:extLst>
     <p:ext uri="{EFAFB233-063F-42B5-8137-9DF3F51BA10A}">
-      <p15:sldGuideLst xmlns="" xmlns:p15="http://schemas.microsoft.com/office/powerpoint/2012/main">
+      <p15:sldGuideLst xmlns:p15="http://schemas.microsoft.com/office/powerpoint/2012/main">
         <p15:guide id="1" orient="horz" pos="1620">
           <p15:clr>
             <a:srgbClr val="A4A3A4"/>
@@ -256,7 +256,7 @@
             <a:fld id="{673B58EF-4ABD-40F4-ACA4-FE81D742E6DD}" type="datetimeFigureOut">
               <a:rPr lang="zh-CN" altLang="en-US" smtClean="0"/>
               <a:pPr/>
-              <a:t>2017/5/16</a:t>
+              <a:t>2020/1/7</a:t>
             </a:fld>
             <a:endParaRPr lang="zh-CN" altLang="en-US" dirty="0"/>
           </a:p>
@@ -320,38 +320,37 @@
           <a:p>
             <a:pPr lvl="0"/>
             <a:r>
-              <a:rPr lang="zh-CN" altLang="en-US" dirty="0" smtClean="0"/>
+              <a:rPr lang="zh-CN" altLang="en-US" dirty="0"/>
               <a:t>单击此处编辑母版文本样式</a:t>
             </a:r>
           </a:p>
           <a:p>
             <a:pPr lvl="1"/>
             <a:r>
-              <a:rPr lang="zh-CN" altLang="en-US" dirty="0" smtClean="0"/>
+              <a:rPr lang="zh-CN" altLang="en-US" dirty="0"/>
               <a:t>第二级</a:t>
             </a:r>
           </a:p>
           <a:p>
             <a:pPr lvl="2"/>
             <a:r>
-              <a:rPr lang="zh-CN" altLang="en-US" dirty="0" smtClean="0"/>
+              <a:rPr lang="zh-CN" altLang="en-US" dirty="0"/>
               <a:t>第三级</a:t>
             </a:r>
           </a:p>
           <a:p>
             <a:pPr lvl="3"/>
             <a:r>
-              <a:rPr lang="zh-CN" altLang="en-US" dirty="0" smtClean="0"/>
+              <a:rPr lang="zh-CN" altLang="en-US" dirty="0"/>
               <a:t>第四级</a:t>
             </a:r>
           </a:p>
           <a:p>
             <a:pPr lvl="4"/>
             <a:r>
-              <a:rPr lang="zh-CN" altLang="en-US" dirty="0" smtClean="0"/>
+              <a:rPr lang="zh-CN" altLang="en-US" dirty="0"/>
               <a:t>第五级</a:t>
             </a:r>
-            <a:endParaRPr lang="zh-CN" altLang="en-US" dirty="0"/>
           </a:p>
         </p:txBody>
       </p:sp>
@@ -1583,13 +1582,6 @@
       </p:transition>
     </mc:Fallback>
   </mc:AlternateContent>
-  <p:timing>
-    <p:tnLst>
-      <p:par>
-        <p:cTn id="1" dur="indefinite" restart="never" nodeType="tmRoot"/>
-      </p:par>
-    </p:tnLst>
-  </p:timing>
 </p:sldLayout>
 </file>
 
@@ -1632,13 +1624,6 @@
       </p:transition>
     </mc:Fallback>
   </mc:AlternateContent>
-  <p:timing>
-    <p:tnLst>
-      <p:par>
-        <p:cTn id="1" dur="indefinite" restart="never" nodeType="tmRoot"/>
-      </p:par>
-    </p:tnLst>
-  </p:timing>
 </p:sldLayout>
 </file>
 
@@ -1669,13 +1654,6 @@
   <p:clrMapOvr>
     <a:masterClrMapping/>
   </p:clrMapOvr>
-  <p:timing>
-    <p:tnLst>
-      <p:par>
-        <p:cTn id="1" dur="indefinite" restart="never" nodeType="tmRoot"/>
-      </p:par>
-    </p:tnLst>
-  </p:timing>
 </p:sldLayout>
 </file>
 
@@ -1721,13 +1699,6 @@
       </p:transition>
     </mc:Fallback>
   </mc:AlternateContent>
-  <p:timing>
-    <p:tnLst>
-      <p:par>
-        <p:cTn id="1" dur="indefinite" restart="never" nodeType="tmRoot"/>
-      </p:par>
-    </p:tnLst>
-  </p:timing>
   <p:txStyles>
     <p:titleStyle>
       <a:lvl1pPr algn="ctr" rtl="0" fontAlgn="base">
@@ -3628,7 +3599,7 @@
           </a:lstStyle>
           <a:p>
             <a:r>
-              <a:rPr lang="en-US" altLang="zh-CN" sz="3800" dirty="0" smtClean="0">
+              <a:rPr lang="en-US" altLang="zh-CN" sz="3800" dirty="0">
                 <a:solidFill>
                   <a:schemeClr val="accent1"/>
                 </a:solidFill>
@@ -3669,7 +3640,7 @@
           <a:lstStyle/>
           <a:p>
             <a:r>
-              <a:rPr lang="zh-CN" altLang="en-US" sz="893" dirty="0" smtClean="0">
+              <a:rPr lang="zh-CN" altLang="en-US" sz="893" dirty="0">
                 <a:solidFill>
                   <a:srgbClr val="5F5F5F"/>
                 </a:solidFill>
@@ -3680,7 +3651,7 @@
               <a:t>基于</a:t>
             </a:r>
             <a:r>
-              <a:rPr lang="en-US" altLang="zh-CN" sz="893" dirty="0" smtClean="0">
+              <a:rPr lang="en-US" altLang="zh-CN" sz="893" dirty="0">
                 <a:solidFill>
                   <a:srgbClr val="5F5F5F"/>
                 </a:solidFill>
@@ -3691,7 +3662,7 @@
               <a:t>STM32</a:t>
             </a:r>
             <a:r>
-              <a:rPr lang="zh-CN" altLang="en-US" sz="893" dirty="0" smtClean="0">
+              <a:rPr lang="zh-CN" altLang="en-US" sz="893" dirty="0">
                 <a:solidFill>
                   <a:srgbClr val="5F5F5F"/>
                 </a:solidFill>
@@ -3708,48 +3679,6 @@
               <a:latin typeface="微软雅黑" panose="020B0503020204020204" pitchFamily="34" charset="-122"/>
               <a:ea typeface="微软雅黑" panose="020B0503020204020204" pitchFamily="34" charset="-122"/>
               <a:cs typeface="Arial" panose="020B0604020202020204" pitchFamily="34" charset="0"/>
-            </a:endParaRPr>
-          </a:p>
-        </p:txBody>
-      </p:sp>
-      <p:sp>
-        <p:nvSpPr>
-          <p:cNvPr id="734" name="TextBox 35"/>
-          <p:cNvSpPr txBox="1"/>
-          <p:nvPr/>
-        </p:nvSpPr>
-        <p:spPr>
-          <a:xfrm>
-            <a:off x="5761891" y="3924081"/>
-            <a:ext cx="1800493" cy="246221"/>
-          </a:xfrm>
-          <a:prstGeom prst="rect">
-            <a:avLst/>
-          </a:prstGeom>
-          <a:noFill/>
-        </p:spPr>
-        <p:txBody>
-          <a:bodyPr wrap="none" rtlCol="0">
-            <a:spAutoFit/>
-          </a:bodyPr>
-          <a:lstStyle/>
-          <a:p>
-            <a:r>
-              <a:rPr lang="zh-CN" altLang="en-US" sz="1000" dirty="0" smtClean="0">
-                <a:solidFill>
-                  <a:srgbClr val="5F5F5F"/>
-                </a:solidFill>
-                <a:latin typeface="微软雅黑" panose="020B0503020204020204" pitchFamily="34" charset="-122"/>
-                <a:ea typeface="微软雅黑" panose="020B0503020204020204" pitchFamily="34" charset="-122"/>
-              </a:rPr>
-              <a:t>队员：邓婷婷 冉丹丹 郭俊雷</a:t>
-            </a:r>
-            <a:endParaRPr lang="zh-CN" altLang="en-US" sz="1000" dirty="0">
-              <a:solidFill>
-                <a:srgbClr val="5F5F5F"/>
-              </a:solidFill>
-              <a:latin typeface="微软雅黑" panose="020B0503020204020204" pitchFamily="34" charset="-122"/>
-              <a:ea typeface="微软雅黑" panose="020B0503020204020204" pitchFamily="34" charset="-122"/>
             </a:endParaRPr>
           </a:p>
         </p:txBody>
@@ -3777,7 +3706,7 @@
           <a:lstStyle/>
           <a:p>
             <a:r>
-              <a:rPr lang="zh-CN" altLang="en-US" sz="1000" dirty="0" smtClean="0">
+              <a:rPr lang="zh-CN" altLang="en-US" sz="1000" dirty="0">
                 <a:solidFill>
                   <a:srgbClr val="5F5F5F"/>
                 </a:solidFill>
@@ -3786,13 +3715,6 @@
               </a:rPr>
               <a:t>讲述：刘帅</a:t>
             </a:r>
-            <a:endParaRPr lang="zh-CN" altLang="en-US" sz="1000" dirty="0">
-              <a:solidFill>
-                <a:srgbClr val="5F5F5F"/>
-              </a:solidFill>
-              <a:latin typeface="微软雅黑" panose="020B0503020204020204" pitchFamily="34" charset="-122"/>
-              <a:ea typeface="微软雅黑" panose="020B0503020204020204" pitchFamily="34" charset="-122"/>
-            </a:endParaRPr>
           </a:p>
         </p:txBody>
       </p:sp>
@@ -3806,14 +3728,6 @@
   <p:clrMapOvr>
     <a:masterClrMapping/>
   </p:clrMapOvr>
-  <mc:AlternateContent xmlns:mc="http://schemas.openxmlformats.org/markup-compatibility/2006" xmlns:p14="http://schemas.microsoft.com/office/powerpoint/2010/main">
-    <mc:Choice Requires="p14">
-      <p:transition p14:dur="0"/>
-    </mc:Choice>
-    <mc:Fallback xmlns="">
-      <p:transition/>
-    </mc:Fallback>
-  </mc:AlternateContent>
   <p:timing>
     <p:tnLst>
       <p:par>
@@ -5078,7 +4992,7 @@
                                           </p:stCondLst>
                                         </p:cTn>
                                         <p:tgtEl>
-                                          <p:spTgt spid="734"/>
+                                          <p:spTgt spid="36"/>
                                         </p:tgtEl>
                                         <p:attrNameLst>
                                           <p:attrName>style.visibility</p:attrName>
@@ -5092,7 +5006,7 @@
                                       <p:cBhvr>
                                         <p:cTn id="83" dur="1000"/>
                                         <p:tgtEl>
-                                          <p:spTgt spid="734"/>
+                                          <p:spTgt spid="36"/>
                                         </p:tgtEl>
                                       </p:cBhvr>
                                     </p:animEffect>
@@ -5100,7 +5014,7 @@
                                       <p:cBhvr>
                                         <p:cTn id="84" dur="1000" fill="hold"/>
                                         <p:tgtEl>
-                                          <p:spTgt spid="734"/>
+                                          <p:spTgt spid="36"/>
                                         </p:tgtEl>
                                         <p:attrNameLst>
                                           <p:attrName>ppt_x</p:attrName>
@@ -5123,7 +5037,7 @@
                                       <p:cBhvr>
                                         <p:cTn id="85" dur="900" decel="100000" fill="hold"/>
                                         <p:tgtEl>
-                                          <p:spTgt spid="734"/>
+                                          <p:spTgt spid="36"/>
                                         </p:tgtEl>
                                         <p:attrNameLst>
                                           <p:attrName>ppt_y</p:attrName>
@@ -5145,123 +5059,6 @@
                                     <p:anim calcmode="lin" valueType="num">
                                       <p:cBhvr>
                                         <p:cTn id="86" dur="100" accel="100000" fill="hold">
-                                          <p:stCondLst>
-                                            <p:cond delay="900"/>
-                                          </p:stCondLst>
-                                        </p:cTn>
-                                        <p:tgtEl>
-                                          <p:spTgt spid="734"/>
-                                        </p:tgtEl>
-                                        <p:attrNameLst>
-                                          <p:attrName>ppt_y</p:attrName>
-                                        </p:attrNameLst>
-                                      </p:cBhvr>
-                                      <p:tavLst>
-                                        <p:tav tm="0">
-                                          <p:val>
-                                            <p:strVal val="#ppt_y-.03"/>
-                                          </p:val>
-                                        </p:tav>
-                                        <p:tav tm="100000">
-                                          <p:val>
-                                            <p:strVal val="#ppt_y"/>
-                                          </p:val>
-                                        </p:tav>
-                                      </p:tavLst>
-                                    </p:anim>
-                                  </p:childTnLst>
-                                </p:cTn>
-                              </p:par>
-                            </p:childTnLst>
-                          </p:cTn>
-                        </p:par>
-                        <p:par>
-                          <p:cTn id="87" fill="hold">
-                            <p:stCondLst>
-                              <p:cond delay="3400"/>
-                            </p:stCondLst>
-                            <p:childTnLst>
-                              <p:par>
-                                <p:cTn id="88" presetID="37" presetClass="entr" presetSubtype="0" fill="hold" grpId="0" nodeType="afterEffect">
-                                  <p:stCondLst>
-                                    <p:cond delay="0"/>
-                                  </p:stCondLst>
-                                  <p:childTnLst>
-                                    <p:set>
-                                      <p:cBhvr>
-                                        <p:cTn id="89" dur="1" fill="hold">
-                                          <p:stCondLst>
-                                            <p:cond delay="0"/>
-                                          </p:stCondLst>
-                                        </p:cTn>
-                                        <p:tgtEl>
-                                          <p:spTgt spid="36"/>
-                                        </p:tgtEl>
-                                        <p:attrNameLst>
-                                          <p:attrName>style.visibility</p:attrName>
-                                        </p:attrNameLst>
-                                      </p:cBhvr>
-                                      <p:to>
-                                        <p:strVal val="visible"/>
-                                      </p:to>
-                                    </p:set>
-                                    <p:animEffect transition="in" filter="fade">
-                                      <p:cBhvr>
-                                        <p:cTn id="90" dur="1000"/>
-                                        <p:tgtEl>
-                                          <p:spTgt spid="36"/>
-                                        </p:tgtEl>
-                                      </p:cBhvr>
-                                    </p:animEffect>
-                                    <p:anim calcmode="lin" valueType="num">
-                                      <p:cBhvr>
-                                        <p:cTn id="91" dur="1000" fill="hold"/>
-                                        <p:tgtEl>
-                                          <p:spTgt spid="36"/>
-                                        </p:tgtEl>
-                                        <p:attrNameLst>
-                                          <p:attrName>ppt_x</p:attrName>
-                                        </p:attrNameLst>
-                                      </p:cBhvr>
-                                      <p:tavLst>
-                                        <p:tav tm="0">
-                                          <p:val>
-                                            <p:strVal val="#ppt_x"/>
-                                          </p:val>
-                                        </p:tav>
-                                        <p:tav tm="100000">
-                                          <p:val>
-                                            <p:strVal val="#ppt_x"/>
-                                          </p:val>
-                                        </p:tav>
-                                      </p:tavLst>
-                                    </p:anim>
-                                    <p:anim calcmode="lin" valueType="num">
-                                      <p:cBhvr>
-                                        <p:cTn id="92" dur="900" decel="100000" fill="hold"/>
-                                        <p:tgtEl>
-                                          <p:spTgt spid="36"/>
-                                        </p:tgtEl>
-                                        <p:attrNameLst>
-                                          <p:attrName>ppt_y</p:attrName>
-                                        </p:attrNameLst>
-                                      </p:cBhvr>
-                                      <p:tavLst>
-                                        <p:tav tm="0">
-                                          <p:val>
-                                            <p:strVal val="#ppt_y+1"/>
-                                          </p:val>
-                                        </p:tav>
-                                        <p:tav tm="100000">
-                                          <p:val>
-                                            <p:strVal val="#ppt_y-.03"/>
-                                          </p:val>
-                                        </p:tav>
-                                      </p:tavLst>
-                                    </p:anim>
-                                    <p:anim calcmode="lin" valueType="num">
-                                      <p:cBhvr>
-                                        <p:cTn id="93" dur="100" accel="100000" fill="hold">
                                           <p:stCondLst>
                                             <p:cond delay="900"/>
                                           </p:stCondLst>
@@ -5325,7 +5122,6 @@
       <p:bldP spid="693" grpId="0" animBg="1"/>
       <p:bldP spid="732" grpId="0"/>
       <p:bldP spid="733" grpId="0"/>
-      <p:bldP spid="734" grpId="0"/>
       <p:bldP spid="36" grpId="0"/>
     </p:bldLst>
   </p:timing>
@@ -5358,7 +5154,7 @@
         <p:spPr>
           <a:xfrm>
             <a:off x="683568" y="555526"/>
-            <a:ext cx="5057475" cy="492443"/>
+            <a:ext cx="4244752" cy="492443"/>
           </a:xfrm>
           <a:prstGeom prst="rect">
             <a:avLst/>
@@ -5379,19 +5175,9 @@
                 <a:latin typeface="微软雅黑" pitchFamily="34" charset="-122"/>
                 <a:ea typeface="微软雅黑" pitchFamily="34" charset="-122"/>
               </a:rPr>
-              <a:t>开</a:t>
+              <a:t>开源全部资料：</a:t>
             </a:r>
-            <a:r>
-              <a:rPr lang="zh-CN" altLang="en-US" sz="1600" b="1" dirty="0" smtClean="0">
-                <a:solidFill>
-                  <a:schemeClr val="accent6"/>
-                </a:solidFill>
-                <a:latin typeface="微软雅黑" pitchFamily="34" charset="-122"/>
-                <a:ea typeface="微软雅黑" pitchFamily="34" charset="-122"/>
-              </a:rPr>
-              <a:t>源全部资料：</a:t>
-            </a:r>
-            <a:endParaRPr lang="en-US" altLang="zh-CN" sz="1600" b="1" dirty="0" smtClean="0">
+            <a:endParaRPr lang="en-US" altLang="zh-CN" sz="1600" b="1" dirty="0">
               <a:solidFill>
                 <a:schemeClr val="accent6"/>
               </a:solidFill>
@@ -5408,9 +5194,39 @@
                 <a:latin typeface="微软雅黑" pitchFamily="34" charset="-122"/>
                 <a:ea typeface="微软雅黑" pitchFamily="34" charset="-122"/>
               </a:rPr>
-              <a:t>https://coding.net/u/shuai132/p/BalanceCarPlus</a:t>
+              <a:t>https://</a:t>
             </a:r>
-            <a:endParaRPr lang="zh-CN" altLang="en-US" sz="1600" b="1" dirty="0" smtClean="0">
+            <a:r>
+              <a:rPr lang="en-US" altLang="zh-CN" sz="1600" b="1" dirty="0" err="1">
+                <a:solidFill>
+                  <a:schemeClr val="accent6"/>
+                </a:solidFill>
+                <a:latin typeface="微软雅黑" pitchFamily="34" charset="-122"/>
+                <a:ea typeface="微软雅黑" pitchFamily="34" charset="-122"/>
+              </a:rPr>
+              <a:t>github.com</a:t>
+            </a:r>
+            <a:r>
+              <a:rPr lang="en-US" altLang="zh-CN" sz="1600" b="1" dirty="0">
+                <a:solidFill>
+                  <a:schemeClr val="accent6"/>
+                </a:solidFill>
+                <a:latin typeface="微软雅黑" pitchFamily="34" charset="-122"/>
+                <a:ea typeface="微软雅黑" pitchFamily="34" charset="-122"/>
+              </a:rPr>
+              <a:t>/shuai132/</a:t>
+            </a:r>
+            <a:r>
+              <a:rPr lang="en-US" altLang="zh-CN" sz="1600" b="1" dirty="0" err="1">
+                <a:solidFill>
+                  <a:schemeClr val="accent6"/>
+                </a:solidFill>
+                <a:latin typeface="微软雅黑" pitchFamily="34" charset="-122"/>
+                <a:ea typeface="微软雅黑" pitchFamily="34" charset="-122"/>
+              </a:rPr>
+              <a:t>BalanceCar</a:t>
+            </a:r>
+            <a:endParaRPr lang="zh-CN" altLang="en-US" sz="1600" b="1" dirty="0">
               <a:solidFill>
                 <a:schemeClr val="accent6"/>
               </a:solidFill>
@@ -5502,13 +5318,6 @@
       <p:transition/>
     </mc:Fallback>
   </mc:AlternateContent>
-  <p:timing>
-    <p:tnLst>
-      <p:par>
-        <p:cTn id="1" dur="indefinite" restart="never" nodeType="tmRoot"/>
-      </p:par>
-    </p:tnLst>
-  </p:timing>
 </p:sld>
 </file>
 
@@ -7022,7 +6831,7 @@
           </a:lstStyle>
           <a:p>
             <a:r>
-              <a:rPr lang="zh-CN" altLang="en-US" sz="3800" dirty="0" smtClean="0">
+              <a:rPr lang="zh-CN" altLang="en-US" sz="3800" dirty="0">
                 <a:solidFill>
                   <a:schemeClr val="accent1"/>
                 </a:solidFill>
@@ -7031,13 +6840,6 @@
               </a:rPr>
               <a:t>谢谢大家</a:t>
             </a:r>
-            <a:endParaRPr lang="zh-CN" altLang="en-US" sz="3800" dirty="0">
-              <a:solidFill>
-                <a:schemeClr val="accent1"/>
-              </a:solidFill>
-              <a:latin typeface="微软雅黑" panose="020B0503020204020204" pitchFamily="34" charset="-122"/>
-              <a:ea typeface="微软雅黑" panose="020B0503020204020204" pitchFamily="34" charset="-122"/>
-            </a:endParaRPr>
           </a:p>
         </p:txBody>
       </p:sp>
@@ -7073,77 +6875,6 @@
               </a:rPr>
               <a:t>Thanks for watching</a:t>
             </a:r>
-          </a:p>
-        </p:txBody>
-      </p:sp>
-      <p:sp>
-        <p:nvSpPr>
-          <p:cNvPr id="32" name="TextBox 31"/>
-          <p:cNvSpPr txBox="1"/>
-          <p:nvPr/>
-        </p:nvSpPr>
-        <p:spPr>
-          <a:xfrm>
-            <a:off x="683568" y="555526"/>
-            <a:ext cx="5057475" cy="492443"/>
-          </a:xfrm>
-          <a:prstGeom prst="rect">
-            <a:avLst/>
-          </a:prstGeom>
-          <a:noFill/>
-        </p:spPr>
-        <p:txBody>
-          <a:bodyPr wrap="none" lIns="0" tIns="0" rIns="0" bIns="0" rtlCol="0">
-            <a:spAutoFit/>
-          </a:bodyPr>
-          <a:lstStyle/>
-          <a:p>
-            <a:r>
-              <a:rPr lang="zh-CN" altLang="en-US" sz="1600" b="1" dirty="0">
-                <a:solidFill>
-                  <a:schemeClr val="accent6"/>
-                </a:solidFill>
-                <a:latin typeface="微软雅黑" pitchFamily="34" charset="-122"/>
-                <a:ea typeface="微软雅黑" pitchFamily="34" charset="-122"/>
-              </a:rPr>
-              <a:t>开</a:t>
-            </a:r>
-            <a:r>
-              <a:rPr lang="zh-CN" altLang="en-US" sz="1600" b="1" dirty="0" smtClean="0">
-                <a:solidFill>
-                  <a:schemeClr val="accent6"/>
-                </a:solidFill>
-                <a:latin typeface="微软雅黑" pitchFamily="34" charset="-122"/>
-                <a:ea typeface="微软雅黑" pitchFamily="34" charset="-122"/>
-              </a:rPr>
-              <a:t>源全部资料：</a:t>
-            </a:r>
-            <a:endParaRPr lang="en-US" altLang="zh-CN" sz="1600" b="1" dirty="0" smtClean="0">
-              <a:solidFill>
-                <a:schemeClr val="accent6"/>
-              </a:solidFill>
-              <a:latin typeface="微软雅黑" pitchFamily="34" charset="-122"/>
-              <a:ea typeface="微软雅黑" pitchFamily="34" charset="-122"/>
-            </a:endParaRPr>
-          </a:p>
-          <a:p>
-            <a:r>
-              <a:rPr lang="en-US" altLang="zh-CN" sz="1600" b="1" dirty="0">
-                <a:solidFill>
-                  <a:schemeClr val="accent6"/>
-                </a:solidFill>
-                <a:latin typeface="微软雅黑" pitchFamily="34" charset="-122"/>
-                <a:ea typeface="微软雅黑" pitchFamily="34" charset="-122"/>
-              </a:rPr>
-              <a:t>https://coding.net/u/shuai132/p/BalanceCarPlus</a:t>
-            </a:r>
-            <a:endParaRPr lang="zh-CN" altLang="en-US" sz="1600" b="1" dirty="0" smtClean="0">
-              <a:solidFill>
-                <a:schemeClr val="accent6"/>
-              </a:solidFill>
-              <a:latin typeface="微软雅黑" pitchFamily="34" charset="-122"/>
-              <a:ea typeface="微软雅黑" pitchFamily="34" charset="-122"/>
-            </a:endParaRPr>
           </a:p>
         </p:txBody>
       </p:sp>
@@ -8674,13 +8405,6 @@
       <p:transition/>
     </mc:Fallback>
   </mc:AlternateContent>
-  <p:timing>
-    <p:tnLst>
-      <p:par>
-        <p:cTn id="1" dur="indefinite" restart="never" nodeType="tmRoot"/>
-      </p:par>
-    </p:tnLst>
-  </p:timing>
 </p:sld>
 </file>
 
@@ -8783,13 +8507,6 @@
       <p:transition/>
     </mc:Fallback>
   </mc:AlternateContent>
-  <p:timing>
-    <p:tnLst>
-      <p:par>
-        <p:cTn id="1" dur="indefinite" restart="never" nodeType="tmRoot"/>
-      </p:par>
-    </p:tnLst>
-  </p:timing>
 </p:sld>
 </file>
 
@@ -8892,13 +8609,6 @@
       <p:transition/>
     </mc:Fallback>
   </mc:AlternateContent>
-  <p:timing>
-    <p:tnLst>
-      <p:par>
-        <p:cTn id="1" dur="indefinite" restart="never" nodeType="tmRoot"/>
-      </p:par>
-    </p:tnLst>
-  </p:timing>
 </p:sld>
 </file>
 
@@ -9257,13 +8967,6 @@
       <p:transition/>
     </mc:Fallback>
   </mc:AlternateContent>
-  <p:timing>
-    <p:tnLst>
-      <p:par>
-        <p:cTn id="1" dur="indefinite" restart="never" nodeType="tmRoot"/>
-      </p:par>
-    </p:tnLst>
-  </p:timing>
 </p:sld>
 </file>
 
@@ -9494,13 +9197,6 @@
       <p:transition/>
     </mc:Fallback>
   </mc:AlternateContent>
-  <p:timing>
-    <p:tnLst>
-      <p:par>
-        <p:cTn id="1" dur="indefinite" restart="never" nodeType="tmRoot"/>
-      </p:par>
-    </p:tnLst>
-  </p:timing>
 </p:sld>
 </file>
 
@@ -9608,7 +9304,7 @@
           <a:lstStyle/>
           <a:p>
             <a:r>
-              <a:rPr lang="zh-CN" altLang="en-US" sz="1600" b="1" dirty="0" smtClean="0">
+              <a:rPr lang="zh-CN" altLang="en-US" sz="1600" b="1" dirty="0">
                 <a:solidFill>
                   <a:schemeClr val="accent6"/>
                 </a:solidFill>
@@ -9617,7 +9313,7 @@
               </a:rPr>
               <a:t>关键硬件：</a:t>
             </a:r>
-            <a:endParaRPr lang="en-US" altLang="zh-CN" sz="1600" b="1" dirty="0" smtClean="0">
+            <a:endParaRPr lang="en-US" altLang="zh-CN" sz="1600" b="1" dirty="0">
               <a:solidFill>
                 <a:schemeClr val="accent6"/>
               </a:solidFill>
@@ -9627,7 +9323,7 @@
           </a:p>
           <a:p>
             <a:r>
-              <a:rPr lang="en-US" altLang="zh-CN" sz="1600" b="1" dirty="0" smtClean="0">
+              <a:rPr lang="en-US" altLang="zh-CN" sz="1600" b="1" dirty="0">
                 <a:solidFill>
                   <a:schemeClr val="accent6"/>
                 </a:solidFill>
@@ -9637,7 +9333,7 @@
               <a:t>	</a:t>
             </a:r>
             <a:r>
-              <a:rPr lang="en-US" altLang="zh-CN" sz="1400" b="1" dirty="0" smtClean="0">
+              <a:rPr lang="en-US" altLang="zh-CN" sz="1400" b="1" dirty="0">
                 <a:solidFill>
                   <a:schemeClr val="accent6"/>
                 </a:solidFill>
@@ -9647,88 +9343,7 @@
               <a:t>1.MCU :  STM32F401</a:t>
             </a:r>
             <a:r>
-              <a:rPr lang="zh-CN" altLang="en-US" sz="1400" b="1" dirty="0" smtClean="0">
-                <a:solidFill>
-                  <a:schemeClr val="accent6"/>
-                </a:solidFill>
-                <a:latin typeface="微软雅黑" pitchFamily="34" charset="-122"/>
-                <a:ea typeface="微软雅黑" pitchFamily="34" charset="-122"/>
-              </a:rPr>
-              <a:t>（</a:t>
-            </a:r>
-            <a:r>
-              <a:rPr lang="en-US" altLang="zh-CN" sz="1400" b="1" dirty="0" smtClean="0">
-                <a:solidFill>
-                  <a:schemeClr val="accent6"/>
-                </a:solidFill>
-                <a:latin typeface="微软雅黑" pitchFamily="34" charset="-122"/>
-                <a:ea typeface="微软雅黑" pitchFamily="34" charset="-122"/>
-              </a:rPr>
-              <a:t>ARM Cortex-M4 32bit </a:t>
-            </a:r>
-            <a:r>
-              <a:rPr lang="en-US" altLang="zh-CN" sz="1400" b="1" dirty="0">
-                <a:solidFill>
-                  <a:schemeClr val="accent6"/>
-                </a:solidFill>
-                <a:latin typeface="微软雅黑" pitchFamily="34" charset="-122"/>
-                <a:ea typeface="微软雅黑" pitchFamily="34" charset="-122"/>
-              </a:rPr>
-              <a:t>MCU+FPU, 105 DMIPS)</a:t>
-            </a:r>
-            <a:endParaRPr lang="en-US" altLang="zh-CN" sz="1400" b="1" dirty="0" smtClean="0">
-              <a:solidFill>
-                <a:schemeClr val="accent6"/>
-              </a:solidFill>
-              <a:latin typeface="微软雅黑" pitchFamily="34" charset="-122"/>
-              <a:ea typeface="微软雅黑" pitchFamily="34" charset="-122"/>
-            </a:endParaRPr>
-          </a:p>
-          <a:p>
-            <a:r>
-              <a:rPr lang="en-US" altLang="zh-CN" sz="1400" b="1" dirty="0" smtClean="0">
-                <a:solidFill>
-                  <a:schemeClr val="accent6"/>
-                </a:solidFill>
-                <a:latin typeface="微软雅黑" pitchFamily="34" charset="-122"/>
-                <a:ea typeface="微软雅黑" pitchFamily="34" charset="-122"/>
-              </a:rPr>
-              <a:t>	2.IMU  :  LSM6DS3</a:t>
-            </a:r>
-          </a:p>
-          <a:p>
-            <a:r>
-              <a:rPr lang="en-US" altLang="zh-CN" sz="1400" b="1" dirty="0" smtClean="0">
-                <a:solidFill>
-                  <a:schemeClr val="accent6"/>
-                </a:solidFill>
-                <a:latin typeface="微软雅黑" pitchFamily="34" charset="-122"/>
-                <a:ea typeface="微软雅黑" pitchFamily="34" charset="-122"/>
-              </a:rPr>
-              <a:t>	3.Bluetooth </a:t>
-            </a:r>
-            <a:r>
-              <a:rPr lang="en-US" altLang="zh-CN" sz="1400" b="1" dirty="0">
-                <a:solidFill>
-                  <a:schemeClr val="accent6"/>
-                </a:solidFill>
-                <a:latin typeface="微软雅黑" pitchFamily="34" charset="-122"/>
-                <a:ea typeface="微软雅黑" pitchFamily="34" charset="-122"/>
-              </a:rPr>
-              <a:t>: </a:t>
-            </a:r>
-            <a:r>
-              <a:rPr lang="en-US" altLang="zh-CN" sz="1400" b="1" dirty="0" err="1" smtClean="0">
-                <a:solidFill>
-                  <a:schemeClr val="accent6"/>
-                </a:solidFill>
-                <a:latin typeface="微软雅黑" pitchFamily="34" charset="-122"/>
-                <a:ea typeface="微软雅黑" pitchFamily="34" charset="-122"/>
-              </a:rPr>
-              <a:t>BlueNRG</a:t>
-            </a:r>
-            <a:r>
-              <a:rPr lang="zh-CN" altLang="en-US" sz="1400" b="1" dirty="0" smtClean="0">
+              <a:rPr lang="zh-CN" altLang="en-US" sz="1400" b="1" dirty="0">
                 <a:solidFill>
                   <a:schemeClr val="accent6"/>
                 </a:solidFill>
@@ -9745,20 +9360,64 @@
                 <a:latin typeface="微软雅黑" pitchFamily="34" charset="-122"/>
                 <a:ea typeface="微软雅黑" pitchFamily="34" charset="-122"/>
               </a:rPr>
-              <a:t>Bluetooth low </a:t>
+              <a:t>ARM Cortex-M4 32bit MCU+FPU, 105 DMIPS)</a:t>
             </a:r>
+          </a:p>
+          <a:p>
             <a:r>
-              <a:rPr lang="en-US" altLang="zh-CN" sz="1400" b="1" dirty="0" smtClean="0">
+              <a:rPr lang="en-US" altLang="zh-CN" sz="1400" b="1" dirty="0">
                 <a:solidFill>
                   <a:schemeClr val="accent6"/>
                 </a:solidFill>
                 <a:latin typeface="微软雅黑" pitchFamily="34" charset="-122"/>
                 <a:ea typeface="微软雅黑" pitchFamily="34" charset="-122"/>
               </a:rPr>
-              <a:t>energy 4.0</a:t>
+              <a:t>	2.IMU  :  LSM6DS3</a:t>
+            </a:r>
+          </a:p>
+          <a:p>
+            <a:r>
+              <a:rPr lang="en-US" altLang="zh-CN" sz="1400" b="1" dirty="0">
+                <a:solidFill>
+                  <a:schemeClr val="accent6"/>
+                </a:solidFill>
+                <a:latin typeface="微软雅黑" pitchFamily="34" charset="-122"/>
+                <a:ea typeface="微软雅黑" pitchFamily="34" charset="-122"/>
+              </a:rPr>
+              <a:t>	3.Bluetooth : </a:t>
             </a:r>
             <a:r>
-              <a:rPr lang="zh-CN" altLang="en-US" sz="1400" b="1" dirty="0" smtClean="0">
+              <a:rPr lang="en-US" altLang="zh-CN" sz="1400" b="1" dirty="0" err="1">
+                <a:solidFill>
+                  <a:schemeClr val="accent6"/>
+                </a:solidFill>
+                <a:latin typeface="微软雅黑" pitchFamily="34" charset="-122"/>
+                <a:ea typeface="微软雅黑" pitchFamily="34" charset="-122"/>
+              </a:rPr>
+              <a:t>BlueNRG</a:t>
+            </a:r>
+            <a:r>
+              <a:rPr lang="zh-CN" altLang="en-US" sz="1400" b="1" dirty="0">
+                <a:solidFill>
+                  <a:schemeClr val="accent6"/>
+                </a:solidFill>
+                <a:latin typeface="微软雅黑" pitchFamily="34" charset="-122"/>
+                <a:ea typeface="微软雅黑" pitchFamily="34" charset="-122"/>
+              </a:rPr>
+              <a:t>（</a:t>
+            </a:r>
+            <a:r>
+              <a:rPr lang="en-US" altLang="zh-CN" sz="1400" b="1" dirty="0">
+                <a:solidFill>
+                  <a:schemeClr val="accent6"/>
+                </a:solidFill>
+                <a:latin typeface="微软雅黑" pitchFamily="34" charset="-122"/>
+                <a:ea typeface="微软雅黑" pitchFamily="34" charset="-122"/>
+              </a:rPr>
+              <a:t>Bluetooth low energy 4.0</a:t>
+            </a:r>
+            <a:r>
+              <a:rPr lang="zh-CN" altLang="en-US" sz="1400" b="1" dirty="0">
                 <a:solidFill>
                   <a:schemeClr val="accent6"/>
                 </a:solidFill>
@@ -9776,7 +9435,7 @@
             </a:endParaRPr>
           </a:p>
           <a:p>
-            <a:endParaRPr lang="en-US" altLang="zh-CN" sz="1600" b="1" dirty="0" smtClean="0">
+            <a:endParaRPr lang="en-US" altLang="zh-CN" sz="1600" b="1" dirty="0">
               <a:solidFill>
                 <a:schemeClr val="accent6"/>
               </a:solidFill>
@@ -9833,7 +9492,7 @@
             </a:endParaRPr>
           </a:p>
           <a:p>
-            <a:endParaRPr lang="en-US" altLang="zh-CN" sz="1400" b="1" dirty="0" smtClean="0">
+            <a:endParaRPr lang="en-US" altLang="zh-CN" sz="1400" b="1" dirty="0">
               <a:solidFill>
                 <a:schemeClr val="accent6"/>
               </a:solidFill>
@@ -9843,7 +9502,7 @@
           </a:p>
           <a:p>
             <a:r>
-              <a:rPr lang="zh-CN" altLang="en-US" sz="1400" b="1" dirty="0" smtClean="0">
+              <a:rPr lang="zh-CN" altLang="en-US" sz="1400" b="1" dirty="0">
                 <a:solidFill>
                   <a:schemeClr val="accent6"/>
                 </a:solidFill>
@@ -9944,13 +9603,6 @@
       <p:transition/>
     </mc:Fallback>
   </mc:AlternateContent>
-  <p:timing>
-    <p:tnLst>
-      <p:par>
-        <p:cTn id="1" dur="indefinite" restart="never" nodeType="tmRoot"/>
-      </p:par>
-    </p:tnLst>
-  </p:timing>
 </p:sld>
 </file>
 
@@ -10098,22 +9750,14 @@
           <a:lstStyle/>
           <a:p>
             <a:r>
-              <a:rPr lang="en-US" altLang="zh-CN" sz="1600" b="1" dirty="0" smtClean="0"/>
+              <a:rPr lang="en-US" altLang="zh-CN" sz="1600" b="1" dirty="0"/>
               <a:t>AHRS</a:t>
             </a:r>
             <a:r>
-              <a:rPr lang="zh-CN" altLang="en-US" sz="1600" b="1" dirty="0" smtClean="0"/>
-              <a:t>（</a:t>
+              <a:rPr lang="zh-CN" altLang="en-US" sz="1600" b="1" dirty="0"/>
+              <a:t>（航姿参考系统）</a:t>
             </a:r>
-            <a:r>
-              <a:rPr lang="zh-CN" altLang="en-US" sz="1600" b="1" dirty="0"/>
-              <a:t>航姿参考</a:t>
-            </a:r>
-            <a:r>
-              <a:rPr lang="zh-CN" altLang="en-US" sz="1600" b="1" dirty="0" smtClean="0"/>
-              <a:t>系统）</a:t>
-            </a:r>
-            <a:endParaRPr lang="zh-CN" altLang="en-US" sz="1600" b="1" dirty="0" smtClean="0">
+            <a:endParaRPr lang="zh-CN" altLang="en-US" sz="1600" b="1" dirty="0">
               <a:solidFill>
                 <a:schemeClr val="accent6"/>
               </a:solidFill>
@@ -10168,18 +9812,9 @@
           <a:p>
             <a:pPr algn="ctr"/>
             <a:r>
-              <a:rPr lang="zh-CN" altLang="en-US" sz="1200" dirty="0" smtClean="0"/>
-              <a:t>（惯性测量单元  包括三</a:t>
+              <a:rPr lang="zh-CN" altLang="en-US" sz="1200" dirty="0"/>
+              <a:t>（惯性测量单元  包括三轴陀螺仪、加速度计和磁强计）</a:t>
             </a:r>
-            <a:r>
-              <a:rPr lang="zh-CN" altLang="en-US" sz="1200" dirty="0"/>
-              <a:t>轴</a:t>
-            </a:r>
-            <a:r>
-              <a:rPr lang="zh-CN" altLang="en-US" sz="1200" dirty="0" smtClean="0"/>
-              <a:t>陀螺仪、加速度计和磁强计）</a:t>
-            </a:r>
-            <a:endParaRPr lang="zh-CN" altLang="en-US" sz="1200" dirty="0"/>
           </a:p>
         </p:txBody>
       </p:sp>
@@ -10221,29 +9856,16 @@
             <a:pPr algn="ctr"/>
             <a:r>
               <a:rPr lang="zh-CN" altLang="en-US" sz="1100" dirty="0"/>
-              <a:t>多传感器数据</a:t>
+              <a:t>多传感器数据融合</a:t>
             </a:r>
-            <a:r>
-              <a:rPr lang="zh-CN" altLang="en-US" sz="1100" dirty="0" smtClean="0"/>
-              <a:t>融合</a:t>
-            </a:r>
-            <a:endParaRPr lang="en-US" altLang="zh-CN" sz="1100" dirty="0" smtClean="0"/>
+            <a:endParaRPr lang="en-US" altLang="zh-CN" sz="1100" dirty="0"/>
           </a:p>
           <a:p>
             <a:pPr algn="ctr"/>
             <a:r>
-              <a:rPr lang="zh-CN" altLang="en-US" sz="1100" dirty="0" smtClean="0"/>
-              <a:t>（</a:t>
+              <a:rPr lang="zh-CN" altLang="en-US" sz="1100" dirty="0"/>
+              <a:t>（常用卡尔曼滤波器）</a:t>
             </a:r>
-            <a:r>
-              <a:rPr lang="zh-CN" altLang="en-US" sz="1100" dirty="0"/>
-              <a:t>常用</a:t>
-            </a:r>
-            <a:r>
-              <a:rPr lang="zh-CN" altLang="en-US" sz="1100" dirty="0" smtClean="0"/>
-              <a:t>卡尔曼滤波器）</a:t>
-            </a:r>
-            <a:endParaRPr lang="zh-CN" altLang="en-US" sz="1100" dirty="0"/>
           </a:p>
         </p:txBody>
       </p:sp>
@@ -10284,18 +9906,17 @@
           <a:p>
             <a:pPr algn="ctr"/>
             <a:r>
-              <a:rPr lang="zh-CN" altLang="en-US" sz="1200" dirty="0" smtClean="0"/>
+              <a:rPr lang="zh-CN" altLang="en-US" sz="1200" dirty="0"/>
               <a:t>真实姿态</a:t>
             </a:r>
-            <a:endParaRPr lang="en-US" altLang="zh-CN" sz="1200" dirty="0" smtClean="0"/>
+            <a:endParaRPr lang="en-US" altLang="zh-CN" sz="1200" dirty="0"/>
           </a:p>
           <a:p>
             <a:pPr algn="ctr"/>
             <a:r>
-              <a:rPr lang="zh-CN" altLang="en-US" sz="1200" dirty="0" smtClean="0"/>
+              <a:rPr lang="zh-CN" altLang="en-US" sz="1200" dirty="0"/>
               <a:t>（四元数转欧拉角表示）</a:t>
             </a:r>
-            <a:endParaRPr lang="zh-CN" altLang="en-US" sz="1200" dirty="0"/>
           </a:p>
         </p:txBody>
       </p:sp>
@@ -10482,14 +10103,14 @@
           <a:lstStyle/>
           <a:p>
             <a:r>
-              <a:rPr lang="en-US" altLang="zh-CN" sz="1600" b="1" dirty="0" smtClean="0"/>
+              <a:rPr lang="en-US" altLang="zh-CN" sz="1600" b="1" dirty="0"/>
               <a:t>PID</a:t>
             </a:r>
             <a:r>
-              <a:rPr lang="zh-CN" altLang="en-US" sz="1600" b="1" dirty="0" smtClean="0"/>
+              <a:rPr lang="zh-CN" altLang="en-US" sz="1600" b="1" dirty="0"/>
               <a:t>控制小车平衡</a:t>
             </a:r>
-            <a:endParaRPr lang="zh-CN" altLang="en-US" sz="1600" b="1" dirty="0" smtClean="0">
+            <a:endParaRPr lang="zh-CN" altLang="en-US" sz="1600" b="1" dirty="0">
               <a:solidFill>
                 <a:schemeClr val="accent6"/>
               </a:solidFill>
@@ -10536,19 +10157,19 @@
           <a:p>
             <a:pPr algn="ctr"/>
             <a:r>
-              <a:rPr lang="zh-CN" altLang="en-US" sz="1200" dirty="0" smtClean="0"/>
+              <a:rPr lang="zh-CN" altLang="en-US" sz="1200" dirty="0"/>
               <a:t>角度</a:t>
             </a:r>
             <a:r>
-              <a:rPr lang="en-US" altLang="zh-CN" sz="1200" dirty="0" smtClean="0"/>
+              <a:rPr lang="en-US" altLang="zh-CN" sz="1200" dirty="0"/>
               <a:t>PD+</a:t>
             </a:r>
             <a:r>
-              <a:rPr lang="zh-CN" altLang="en-US" sz="1200" dirty="0" smtClean="0"/>
+              <a:rPr lang="zh-CN" altLang="en-US" sz="1200" dirty="0"/>
               <a:t>速度</a:t>
             </a:r>
             <a:r>
-              <a:rPr lang="en-US" altLang="zh-CN" sz="1200" dirty="0" smtClean="0"/>
+              <a:rPr lang="en-US" altLang="zh-CN" sz="1200" dirty="0"/>
               <a:t>PI</a:t>
             </a:r>
             <a:endParaRPr lang="zh-CN" altLang="en-US" sz="1200" dirty="0"/>
@@ -10632,18 +10253,9 @@
           <a:p>
             <a:pPr algn="ctr"/>
             <a:r>
-              <a:rPr lang="zh-CN" altLang="en-US" sz="1200" dirty="0" smtClean="0"/>
-              <a:t>前后</a:t>
+              <a:rPr lang="zh-CN" altLang="en-US" sz="1200" dirty="0"/>
+              <a:t>前后和转向控制</a:t>
             </a:r>
-            <a:r>
-              <a:rPr lang="zh-CN" altLang="en-US" sz="1200" dirty="0"/>
-              <a:t>和</a:t>
-            </a:r>
-            <a:r>
-              <a:rPr lang="zh-CN" altLang="en-US" sz="1200" dirty="0" smtClean="0"/>
-              <a:t>转向控制</a:t>
-            </a:r>
-            <a:endParaRPr lang="zh-CN" altLang="en-US" sz="1200" dirty="0"/>
           </a:p>
         </p:txBody>
       </p:sp>
@@ -10724,14 +10336,13 @@
           <a:p>
             <a:pPr algn="ctr"/>
             <a:r>
-              <a:rPr lang="en-US" altLang="zh-CN" sz="1200" dirty="0" smtClean="0"/>
+              <a:rPr lang="en-US" altLang="zh-CN" sz="1200" dirty="0"/>
               <a:t>PWM</a:t>
             </a:r>
             <a:r>
-              <a:rPr lang="zh-CN" altLang="en-US" sz="1200" dirty="0" smtClean="0"/>
+              <a:rPr lang="zh-CN" altLang="en-US" sz="1200" dirty="0"/>
               <a:t>控制电机转速</a:t>
             </a:r>
-            <a:endParaRPr lang="zh-CN" altLang="en-US" sz="1200" dirty="0"/>
           </a:p>
         </p:txBody>
       </p:sp>
@@ -10758,7 +10369,7 @@
           <a:lstStyle/>
           <a:p>
             <a:r>
-              <a:rPr lang="zh-CN" altLang="en-US" sz="1600" b="1" dirty="0" smtClean="0">
+              <a:rPr lang="zh-CN" altLang="en-US" sz="1600" b="1" dirty="0">
                 <a:solidFill>
                   <a:schemeClr val="accent6"/>
                 </a:solidFill>
@@ -10856,16 +10467,12 @@
           <a:lstStyle/>
           <a:p>
             <a:r>
-              <a:rPr lang="en-US" altLang="zh-CN" sz="1400" dirty="0" smtClean="0"/>
+              <a:rPr lang="en-US" altLang="zh-CN" sz="1400" dirty="0"/>
               <a:t>PID</a:t>
             </a:r>
             <a:r>
-              <a:rPr lang="zh-CN" altLang="en-US" sz="1400" dirty="0" smtClean="0"/>
-              <a:t>离散</a:t>
-            </a:r>
-            <a:r>
               <a:rPr lang="zh-CN" altLang="en-US" sz="1400" dirty="0"/>
-              <a:t>公式</a:t>
+              <a:t>离散公式</a:t>
             </a:r>
             <a:r>
               <a:rPr lang="zh-CN" altLang="en-US" dirty="0"/>
@@ -10892,13 +10499,6 @@
       <p:transition/>
     </mc:Fallback>
   </mc:AlternateContent>
-  <p:timing>
-    <p:tnLst>
-      <p:par>
-        <p:cTn id="1" dur="indefinite" restart="never" nodeType="tmRoot"/>
-      </p:par>
-    </p:tnLst>
-  </p:timing>
 </p:sld>
 </file>
 
@@ -10943,7 +10543,7 @@
           <a:p>
             <a:pPr marL="0" lvl="1"/>
             <a:r>
-              <a:rPr lang="zh-CN" altLang="en-US" sz="1400" b="1" dirty="0" smtClean="0">
+              <a:rPr lang="zh-CN" altLang="en-US" sz="1400" b="1" dirty="0">
                 <a:solidFill>
                   <a:srgbClr val="080808"/>
                 </a:solidFill>
@@ -10953,7 +10553,7 @@
               <a:t> </a:t>
             </a:r>
             <a:r>
-              <a:rPr lang="en-US" altLang="zh-CN" sz="3600" b="1" dirty="0" smtClean="0">
+              <a:rPr lang="en-US" altLang="zh-CN" sz="3600" b="1" dirty="0">
                 <a:solidFill>
                   <a:schemeClr val="accent4"/>
                 </a:solidFill>
@@ -11031,19 +10631,9 @@
                 <a:latin typeface="微软雅黑"/>
                 <a:ea typeface="微软雅黑"/>
               </a:rPr>
-              <a:t>T</a:t>
+              <a:t>Telecontroller</a:t>
             </a:r>
-            <a:r>
-              <a:rPr lang="en-US" altLang="zh-CN" sz="1100" dirty="0" err="1" smtClean="0">
-                <a:solidFill>
-                  <a:srgbClr val="080808"/>
-                </a:solidFill>
-                <a:latin typeface="微软雅黑"/>
-                <a:ea typeface="微软雅黑"/>
-              </a:rPr>
-              <a:t>elecontroller</a:t>
-            </a:r>
-            <a:endParaRPr lang="zh-CN" altLang="en-US" sz="1100" dirty="0" smtClean="0">
+            <a:endParaRPr lang="zh-CN" altLang="en-US" sz="1100" dirty="0">
               <a:solidFill>
                 <a:srgbClr val="080808"/>
               </a:solidFill>
@@ -11232,7 +10822,7 @@
           <a:lstStyle/>
           <a:p>
             <a:r>
-              <a:rPr lang="zh-CN" altLang="en-US" sz="2800" b="1" dirty="0" smtClean="0">
+              <a:rPr lang="zh-CN" altLang="en-US" sz="2800" b="1" dirty="0">
                 <a:solidFill>
                   <a:schemeClr val="accent4"/>
                 </a:solidFill>
